--- a/welcome slides.pptx
+++ b/welcome slides.pptx
@@ -108,6 +108,11 @@
       </a:defRPr>
     </a:lvl9pPr>
   </p:defaultTextStyle>
+  <p:extLst>
+    <p:ext uri="{EFAFB233-063F-42B5-8137-9DF3F51BA10A}">
+      <p15:sldGuideLst xmlns:p15="http://schemas.microsoft.com/office/powerpoint/2012/main"/>
+    </p:ext>
+  </p:extLst>
 </p:presentation>
 </file>
 
@@ -260,7 +265,7 @@
           <a:p>
             <a:fld id="{88253116-A3B1-4586-8FFF-3EB764760934}" type="datetimeFigureOut">
               <a:rPr lang="en-US" smtClean="0"/>
-              <a:t>10/17/2024</a:t>
+              <a:t>10/22/2024</a:t>
             </a:fld>
             <a:endParaRPr lang="en-US"/>
           </a:p>
@@ -460,7 +465,7 @@
           <a:p>
             <a:fld id="{88253116-A3B1-4586-8FFF-3EB764760934}" type="datetimeFigureOut">
               <a:rPr lang="en-US" smtClean="0"/>
-              <a:t>10/17/2024</a:t>
+              <a:t>10/22/2024</a:t>
             </a:fld>
             <a:endParaRPr lang="en-US"/>
           </a:p>
@@ -670,7 +675,7 @@
           <a:p>
             <a:fld id="{88253116-A3B1-4586-8FFF-3EB764760934}" type="datetimeFigureOut">
               <a:rPr lang="en-US" smtClean="0"/>
-              <a:t>10/17/2024</a:t>
+              <a:t>10/22/2024</a:t>
             </a:fld>
             <a:endParaRPr lang="en-US"/>
           </a:p>
@@ -870,7 +875,7 @@
           <a:p>
             <a:fld id="{88253116-A3B1-4586-8FFF-3EB764760934}" type="datetimeFigureOut">
               <a:rPr lang="en-US" smtClean="0"/>
-              <a:t>10/17/2024</a:t>
+              <a:t>10/22/2024</a:t>
             </a:fld>
             <a:endParaRPr lang="en-US"/>
           </a:p>
@@ -1146,7 +1151,7 @@
           <a:p>
             <a:fld id="{88253116-A3B1-4586-8FFF-3EB764760934}" type="datetimeFigureOut">
               <a:rPr lang="en-US" smtClean="0"/>
-              <a:t>10/17/2024</a:t>
+              <a:t>10/22/2024</a:t>
             </a:fld>
             <a:endParaRPr lang="en-US"/>
           </a:p>
@@ -1414,7 +1419,7 @@
           <a:p>
             <a:fld id="{88253116-A3B1-4586-8FFF-3EB764760934}" type="datetimeFigureOut">
               <a:rPr lang="en-US" smtClean="0"/>
-              <a:t>10/17/2024</a:t>
+              <a:t>10/22/2024</a:t>
             </a:fld>
             <a:endParaRPr lang="en-US"/>
           </a:p>
@@ -1829,7 +1834,7 @@
           <a:p>
             <a:fld id="{88253116-A3B1-4586-8FFF-3EB764760934}" type="datetimeFigureOut">
               <a:rPr lang="en-US" smtClean="0"/>
-              <a:t>10/17/2024</a:t>
+              <a:t>10/22/2024</a:t>
             </a:fld>
             <a:endParaRPr lang="en-US"/>
           </a:p>
@@ -1971,7 +1976,7 @@
           <a:p>
             <a:fld id="{88253116-A3B1-4586-8FFF-3EB764760934}" type="datetimeFigureOut">
               <a:rPr lang="en-US" smtClean="0"/>
-              <a:t>10/17/2024</a:t>
+              <a:t>10/22/2024</a:t>
             </a:fld>
             <a:endParaRPr lang="en-US"/>
           </a:p>
@@ -2084,7 +2089,7 @@
           <a:p>
             <a:fld id="{88253116-A3B1-4586-8FFF-3EB764760934}" type="datetimeFigureOut">
               <a:rPr lang="en-US" smtClean="0"/>
-              <a:t>10/17/2024</a:t>
+              <a:t>10/22/2024</a:t>
             </a:fld>
             <a:endParaRPr lang="en-US"/>
           </a:p>
@@ -2397,7 +2402,7 @@
           <a:p>
             <a:fld id="{88253116-A3B1-4586-8FFF-3EB764760934}" type="datetimeFigureOut">
               <a:rPr lang="en-US" smtClean="0"/>
-              <a:t>10/17/2024</a:t>
+              <a:t>10/22/2024</a:t>
             </a:fld>
             <a:endParaRPr lang="en-US"/>
           </a:p>
@@ -2686,7 +2691,7 @@
           <a:p>
             <a:fld id="{88253116-A3B1-4586-8FFF-3EB764760934}" type="datetimeFigureOut">
               <a:rPr lang="en-US" smtClean="0"/>
-              <a:t>10/17/2024</a:t>
+              <a:t>10/22/2024</a:t>
             </a:fld>
             <a:endParaRPr lang="en-US"/>
           </a:p>
@@ -2929,7 +2934,7 @@
           <a:p>
             <a:fld id="{88253116-A3B1-4586-8FFF-3EB764760934}" type="datetimeFigureOut">
               <a:rPr lang="en-US" smtClean="0"/>
-              <a:t>10/17/2024</a:t>
+              <a:t>10/22/2024</a:t>
             </a:fld>
             <a:endParaRPr lang="en-US"/>
           </a:p>
@@ -3493,6 +3498,14 @@
               <a:rPr lang="en-US" dirty="0"/>
               <a:t>Workshop procedure</a:t>
             </a:r>
+            <a:br>
+              <a:rPr lang="en-US" dirty="0"/>
+            </a:br>
+            <a:r>
+              <a:rPr lang="en-US" sz="3600" dirty="0"/>
+              <a:t>Too much too little time &gt;&gt; 100 slides</a:t>
+            </a:r>
+            <a:endParaRPr lang="en-US" dirty="0"/>
           </a:p>
         </p:txBody>
       </p:sp>
@@ -3512,18 +3525,107 @@
             <p:ph idx="1"/>
           </p:nvPr>
         </p:nvSpPr>
-        <p:spPr/>
+        <p:spPr>
+          <a:xfrm>
+            <a:off x="838200" y="1825625"/>
+            <a:ext cx="5827776" cy="4351338"/>
+          </a:xfrm>
+        </p:spPr>
         <p:txBody>
           <a:bodyPr/>
           <a:lstStyle/>
           <a:p>
             <a:r>
               <a:rPr lang="en-US" dirty="0"/>
-              <a:t>…</a:t>
-            </a:r>
-          </a:p>
-        </p:txBody>
-      </p:sp>
+              <a:t>~ first 1 – 1,5 hours: theory</a:t>
+            </a:r>
+          </a:p>
+          <a:p>
+            <a:r>
+              <a:rPr lang="en-US" dirty="0"/>
+              <a:t>rest “3. Demonstrations”</a:t>
+            </a:r>
+          </a:p>
+          <a:p>
+            <a:endParaRPr lang="en-US" dirty="0"/>
+          </a:p>
+          <a:p>
+            <a:r>
+              <a:rPr lang="en-US" dirty="0"/>
+              <a:t>Relatively little interaction, more in the form of a monologue</a:t>
+            </a:r>
+          </a:p>
+          <a:p>
+            <a:r>
+              <a:rPr lang="en-US" dirty="0"/>
+              <a:t>Set up working groups regarding X if desired?</a:t>
+            </a:r>
+          </a:p>
+          <a:p>
+            <a:endParaRPr lang="en-US" dirty="0"/>
+          </a:p>
+        </p:txBody>
+      </p:sp>
+      <p:pic>
+        <p:nvPicPr>
+          <p:cNvPr id="6" name="Grafik 5">
+            <a:extLst>
+              <a:ext uri="{FF2B5EF4-FFF2-40B4-BE49-F238E27FC236}">
+                <a16:creationId xmlns:a16="http://schemas.microsoft.com/office/drawing/2014/main" id="{55E6EE2C-B89B-47DE-B1C2-2A4B824DCE72}"/>
+              </a:ext>
+            </a:extLst>
+          </p:cNvPr>
+          <p:cNvPicPr>
+            <a:picLocks noChangeAspect="1"/>
+          </p:cNvPicPr>
+          <p:nvPr/>
+        </p:nvPicPr>
+        <p:blipFill>
+          <a:blip r:embed="rId2"/>
+          <a:stretch>
+            <a:fillRect/>
+          </a:stretch>
+        </p:blipFill>
+        <p:spPr>
+          <a:xfrm>
+            <a:off x="3133344" y="4824952"/>
+            <a:ext cx="1966946" cy="1949767"/>
+          </a:xfrm>
+          <a:prstGeom prst="rect">
+            <a:avLst/>
+          </a:prstGeom>
+        </p:spPr>
+      </p:pic>
+      <p:pic>
+        <p:nvPicPr>
+          <p:cNvPr id="4" name="Grafik 3">
+            <a:extLst>
+              <a:ext uri="{FF2B5EF4-FFF2-40B4-BE49-F238E27FC236}">
+                <a16:creationId xmlns:a16="http://schemas.microsoft.com/office/drawing/2014/main" id="{BCE332A0-A431-4AE0-BAF1-DC001F61655D}"/>
+              </a:ext>
+            </a:extLst>
+          </p:cNvPr>
+          <p:cNvPicPr>
+            <a:picLocks noChangeAspect="1"/>
+          </p:cNvPicPr>
+          <p:nvPr/>
+        </p:nvPicPr>
+        <p:blipFill>
+          <a:blip r:embed="rId3"/>
+          <a:stretch>
+            <a:fillRect/>
+          </a:stretch>
+        </p:blipFill>
+        <p:spPr>
+          <a:xfrm>
+            <a:off x="8141208" y="365124"/>
+            <a:ext cx="2968752" cy="5694867"/>
+          </a:xfrm>
+          <a:prstGeom prst="rect">
+            <a:avLst/>
+          </a:prstGeom>
+        </p:spPr>
+      </p:pic>
     </p:spTree>
     <p:extLst>
       <p:ext uri="{BB962C8B-B14F-4D97-AF65-F5344CB8AC3E}">
@@ -3801,6 +3903,53 @@
           <a:chExt cx="0" cy="0"/>
         </a:xfrm>
       </p:grpSpPr>
+      <p:pic>
+        <p:nvPicPr>
+          <p:cNvPr id="1026" name="Picture 2" descr="https://lh7-rt.googleusercontent.com/docsz/AD_4nXd-iD3IhCYWr6J4Ryay6pjcBgsaLH_oZimwoD4aXodlPFwV6yvTtLi7jQvuonpzcNjz6JL23WXJySCZz-v1jJa6xZ8wYaQMLxvZ9zGkqS-C77XO7NdPrf5zdpEGnfTDq7BxDNGWBmDdnObTXhbsuXZEr-7X?key=TGRbaZETJgbOzoLcYTZOYg">
+            <a:extLst>
+              <a:ext uri="{FF2B5EF4-FFF2-40B4-BE49-F238E27FC236}">
+                <a16:creationId xmlns:a16="http://schemas.microsoft.com/office/drawing/2014/main" id="{E8167D69-97DC-41B3-A9C4-0792A5CD0069}"/>
+              </a:ext>
+            </a:extLst>
+          </p:cNvPr>
+          <p:cNvPicPr>
+            <a:picLocks noChangeAspect="1" noChangeArrowheads="1"/>
+          </p:cNvPicPr>
+          <p:nvPr/>
+        </p:nvPicPr>
+        <p:blipFill>
+          <a:blip r:embed="rId2">
+            <a:extLst>
+              <a:ext uri="{28A0092B-C50C-407E-A947-70E740481C1C}">
+                <a14:useLocalDpi xmlns:a14="http://schemas.microsoft.com/office/drawing/2010/main" val="0"/>
+              </a:ext>
+            </a:extLst>
+          </a:blip>
+          <a:srcRect/>
+          <a:stretch>
+            <a:fillRect/>
+          </a:stretch>
+        </p:blipFill>
+        <p:spPr bwMode="auto">
+          <a:xfrm>
+            <a:off x="3666924" y="5057387"/>
+            <a:ext cx="4564160" cy="1606858"/>
+          </a:xfrm>
+          <a:prstGeom prst="rect">
+            <a:avLst/>
+          </a:prstGeom>
+          <a:noFill/>
+          <a:extLst>
+            <a:ext uri="{909E8E84-426E-40DD-AFC4-6F175D3DCCD1}">
+              <a14:hiddenFill xmlns:a14="http://schemas.microsoft.com/office/drawing/2010/main">
+                <a:solidFill>
+                  <a:srgbClr val="FFFFFF"/>
+                </a:solidFill>
+              </a14:hiddenFill>
+            </a:ext>
+          </a:extLst>
+        </p:spPr>
+      </p:pic>
       <p:sp>
         <p:nvSpPr>
           <p:cNvPr id="2" name="Titel 1">
@@ -3825,56 +3974,6 @@
             <a:r>
               <a:rPr lang="en-US" dirty="0"/>
               <a:t>My research &lt;-&gt; LLMs</a:t>
-            </a:r>
-          </a:p>
-        </p:txBody>
-      </p:sp>
-      <p:sp>
-        <p:nvSpPr>
-          <p:cNvPr id="5" name="Inhaltsplatzhalter 4">
-            <a:extLst>
-              <a:ext uri="{FF2B5EF4-FFF2-40B4-BE49-F238E27FC236}">
-                <a16:creationId xmlns:a16="http://schemas.microsoft.com/office/drawing/2014/main" id="{39F12178-9E06-404A-83FE-F378660C6C96}"/>
-              </a:ext>
-            </a:extLst>
-          </p:cNvPr>
-          <p:cNvSpPr>
-            <a:spLocks noGrp="1"/>
-          </p:cNvSpPr>
-          <p:nvPr>
-            <p:ph idx="1"/>
-          </p:nvPr>
-        </p:nvSpPr>
-        <p:spPr>
-          <a:xfrm>
-            <a:off x="652337" y="1562436"/>
-            <a:ext cx="6333877" cy="1325562"/>
-          </a:xfrm>
-        </p:spPr>
-        <p:txBody>
-          <a:bodyPr>
-            <a:normAutofit fontScale="92500" lnSpcReduction="20000"/>
-          </a:bodyPr>
-          <a:lstStyle/>
-          <a:p>
-            <a:pPr marL="0" indent="0">
-              <a:buNone/>
-            </a:pPr>
-            <a:r>
-              <a:rPr lang="en-US" b="1" dirty="0"/>
-              <a:t>Semantic Networks</a:t>
-            </a:r>
-            <a:r>
-              <a:rPr lang="en-US" dirty="0"/>
-              <a:t>: Cognitive-Affective Maps </a:t>
-            </a:r>
-            <a:r>
-              <a:rPr lang="en-US" i="1" dirty="0"/>
-              <a:t>extended logic</a:t>
-            </a:r>
-            <a:r>
-              <a:rPr lang="en-US" dirty="0"/>
-              <a:t>: Proposing Tools to Collect and Analyze Attitudes and Belief Systems</a:t>
             </a:r>
           </a:p>
         </p:txBody>
@@ -3894,7 +3993,7 @@
           <p:nvPr/>
         </p:nvPicPr>
         <p:blipFill>
-          <a:blip r:embed="rId2"/>
+          <a:blip r:embed="rId3"/>
           <a:stretch>
             <a:fillRect/>
           </a:stretch>
@@ -3924,7 +4023,7 @@
           <p:nvPr/>
         </p:nvPicPr>
         <p:blipFill>
-          <a:blip r:embed="rId3"/>
+          <a:blip r:embed="rId4"/>
           <a:stretch>
             <a:fillRect/>
           </a:stretch>
@@ -3954,7 +4053,7 @@
           <p:nvPr/>
         </p:nvPicPr>
         <p:blipFill>
-          <a:blip r:embed="rId4">
+          <a:blip r:embed="rId5">
             <a:extLst>
               <a:ext uri="{28A0092B-C50C-407E-A947-70E740481C1C}">
                 <a14:useLocalDpi xmlns:a14="http://schemas.microsoft.com/office/drawing/2010/main" val="0"/>
@@ -3967,7 +4066,7 @@
         </p:blipFill>
         <p:spPr>
           <a:xfrm>
-            <a:off x="7844777" y="4208358"/>
+            <a:off x="7927073" y="4055433"/>
             <a:ext cx="3758706" cy="1698059"/>
           </a:xfrm>
           <a:prstGeom prst="rect">
@@ -3991,8 +4090,8 @@
         </p:nvSpPr>
         <p:spPr>
           <a:xfrm>
-            <a:off x="690935" y="2861407"/>
-            <a:ext cx="6333877" cy="1963242"/>
+            <a:off x="690935" y="1452623"/>
+            <a:ext cx="6333877" cy="3372026"/>
           </a:xfrm>
           <a:prstGeom prst="rect">
             <a:avLst/>
@@ -4000,7 +4099,7 @@
         </p:spPr>
         <p:txBody>
           <a:bodyPr vert="horz" lIns="91440" tIns="45720" rIns="91440" bIns="45720" rtlCol="0">
-            <a:normAutofit lnSpcReduction="10000"/>
+            <a:normAutofit fontScale="85000" lnSpcReduction="10000"/>
           </a:bodyPr>
           <a:lstStyle>
             <a:lvl1pPr marL="228600" indent="-228600" algn="l" defTabSz="914400" rtl="0" eaLnBrk="1" latinLnBrk="0" hangingPunct="1">
@@ -4172,6 +4271,27 @@
             </a:pPr>
             <a:r>
               <a:rPr lang="en-US" b="1" dirty="0"/>
+              <a:t>Semantic Networks</a:t>
+            </a:r>
+            <a:r>
+              <a:rPr lang="en-US" dirty="0"/>
+              <a:t>: Cognitive-Affective Maps </a:t>
+            </a:r>
+            <a:r>
+              <a:rPr lang="en-US" i="1" dirty="0"/>
+              <a:t>extended logic</a:t>
+            </a:r>
+            <a:r>
+              <a:rPr lang="en-US" dirty="0"/>
+              <a:t>: Proposing Tools to Collect and Analyze Attitudes and Belief Systems</a:t>
+            </a:r>
+          </a:p>
+          <a:p>
+            <a:pPr marL="0" indent="0">
+              <a:buNone/>
+            </a:pPr>
+            <a:r>
+              <a:rPr lang="en-US" b="1" dirty="0"/>
               <a:t>Empirical Ethics</a:t>
             </a:r>
             <a:r>
@@ -4179,14 +4299,72 @@
               <a:t>: Development and Validation of an Empirical Ethics Scale for Technology Assessment - Challenges and Perspectives for a Real Time Ethics for Emerging Technologies</a:t>
             </a:r>
           </a:p>
+          <a:p>
+            <a:pPr marL="0" indent="0">
+              <a:buNone/>
+            </a:pPr>
+            <a:r>
+              <a:rPr lang="en-US" b="1" dirty="0"/>
+              <a:t>Prospective Technology Assessment</a:t>
+            </a:r>
+            <a:r>
+              <a:rPr lang="en-US" dirty="0"/>
+              <a:t>: Propose methodologies to investigate (ethical) concerns of technologies at an early development stage.</a:t>
+            </a:r>
+          </a:p>
+          <a:p>
+            <a:pPr marL="0" indent="0">
+              <a:buNone/>
+            </a:pPr>
+            <a:endParaRPr lang="en-US" dirty="0"/>
+          </a:p>
         </p:txBody>
       </p:sp>
       <p:pic>
         <p:nvPicPr>
-          <p:cNvPr id="1026" name="Picture 2" descr="https://lh7-rt.googleusercontent.com/docsz/AD_4nXd-iD3IhCYWr6J4Ryay6pjcBgsaLH_oZimwoD4aXodlPFwV6yvTtLi7jQvuonpzcNjz6JL23WXJySCZz-v1jJa6xZ8wYaQMLxvZ9zGkqS-C77XO7NdPrf5zdpEGnfTDq7BxDNGWBmDdnObTXhbsuXZEr-7X?key=TGRbaZETJgbOzoLcYTZOYg">
-            <a:extLst>
-              <a:ext uri="{FF2B5EF4-FFF2-40B4-BE49-F238E27FC236}">
-                <a16:creationId xmlns:a16="http://schemas.microsoft.com/office/drawing/2014/main" id="{E8167D69-97DC-41B3-A9C4-0792A5CD0069}"/>
+          <p:cNvPr id="16" name="Grafik 15">
+            <a:extLst>
+              <a:ext uri="{FF2B5EF4-FFF2-40B4-BE49-F238E27FC236}">
+                <a16:creationId xmlns:a16="http://schemas.microsoft.com/office/drawing/2014/main" id="{49249704-0E8E-4ECF-BFAC-FCD2C20ABFAB}"/>
+              </a:ext>
+            </a:extLst>
+          </p:cNvPr>
+          <p:cNvPicPr>
+            <a:picLocks noChangeAspect="1"/>
+          </p:cNvPicPr>
+          <p:nvPr/>
+        </p:nvPicPr>
+        <p:blipFill>
+          <a:blip r:embed="rId6">
+            <a:extLst>
+              <a:ext uri="{28A0092B-C50C-407E-A947-70E740481C1C}">
+                <a14:useLocalDpi xmlns:a14="http://schemas.microsoft.com/office/drawing/2010/main" val="0"/>
+              </a:ext>
+              <a:ext uri="{96DAC541-7B7A-43D3-8B79-37D633B846F1}">
+                <asvg:svgBlip xmlns:asvg="http://schemas.microsoft.com/office/drawing/2016/SVG/main" r:embed="rId7"/>
+              </a:ext>
+            </a:extLst>
+          </a:blip>
+          <a:stretch>
+            <a:fillRect/>
+          </a:stretch>
+        </p:blipFill>
+        <p:spPr>
+          <a:xfrm>
+            <a:off x="7536140" y="95355"/>
+            <a:ext cx="1825640" cy="1316056"/>
+          </a:xfrm>
+          <a:prstGeom prst="rect">
+            <a:avLst/>
+          </a:prstGeom>
+        </p:spPr>
+      </p:pic>
+      <p:pic>
+        <p:nvPicPr>
+          <p:cNvPr id="3" name="Picture 2" descr="https://lh7-rt.googleusercontent.com/docsz/AD_4nXfg1ZgeYEwWyFTX53ngVrBPyIYVXSiI6MBJhgizbKQoyCQs7s-u1P-UCjcq7OGj23rhxbQCbh4mMX1vOyMq1dj82AyIf25s_pfxK4S245eTxWAxBka848DtERjYsf24CN97v7_ni_AU3DxeAYDTg6CEKg?key=9u3shP4R0uaYwFiO7LCADQ">
+            <a:extLst>
+              <a:ext uri="{FF2B5EF4-FFF2-40B4-BE49-F238E27FC236}">
+                <a16:creationId xmlns:a16="http://schemas.microsoft.com/office/drawing/2014/main" id="{836301ED-8979-4FFA-A7DB-761BE5771CBD}"/>
               </a:ext>
             </a:extLst>
           </p:cNvPr>
@@ -4196,7 +4374,7 @@
           <p:nvPr/>
         </p:nvPicPr>
         <p:blipFill>
-          <a:blip r:embed="rId5">
+          <a:blip r:embed="rId8">
             <a:extLst>
               <a:ext uri="{28A0092B-C50C-407E-A947-70E740481C1C}">
                 <a14:useLocalDpi xmlns:a14="http://schemas.microsoft.com/office/drawing/2010/main" val="0"/>
@@ -4210,8 +4388,8 @@
         </p:blipFill>
         <p:spPr bwMode="auto">
           <a:xfrm>
-            <a:off x="2568272" y="4819701"/>
-            <a:ext cx="4564160" cy="1606858"/>
+            <a:off x="1260624" y="4804890"/>
+            <a:ext cx="1750513" cy="1897204"/>
           </a:xfrm>
           <a:prstGeom prst="rect">
             <a:avLst/>
@@ -4226,45 +4404,6 @@
               </a14:hiddenFill>
             </a:ext>
           </a:extLst>
-        </p:spPr>
-      </p:pic>
-      <p:pic>
-        <p:nvPicPr>
-          <p:cNvPr id="16" name="Grafik 15">
-            <a:extLst>
-              <a:ext uri="{FF2B5EF4-FFF2-40B4-BE49-F238E27FC236}">
-                <a16:creationId xmlns:a16="http://schemas.microsoft.com/office/drawing/2014/main" id="{49249704-0E8E-4ECF-BFAC-FCD2C20ABFAB}"/>
-              </a:ext>
-            </a:extLst>
-          </p:cNvPr>
-          <p:cNvPicPr>
-            <a:picLocks noChangeAspect="1"/>
-          </p:cNvPicPr>
-          <p:nvPr/>
-        </p:nvPicPr>
-        <p:blipFill>
-          <a:blip r:embed="rId6">
-            <a:extLst>
-              <a:ext uri="{28A0092B-C50C-407E-A947-70E740481C1C}">
-                <a14:useLocalDpi xmlns:a14="http://schemas.microsoft.com/office/drawing/2010/main" val="0"/>
-              </a:ext>
-              <a:ext uri="{96DAC541-7B7A-43D3-8B79-37D633B846F1}">
-                <asvg:svgBlip xmlns:asvg="http://schemas.microsoft.com/office/drawing/2016/SVG/main" r:embed="rId7"/>
-              </a:ext>
-            </a:extLst>
-          </a:blip>
-          <a:stretch>
-            <a:fillRect/>
-          </a:stretch>
-        </p:blipFill>
-        <p:spPr>
-          <a:xfrm>
-            <a:off x="7536140" y="95355"/>
-            <a:ext cx="1825640" cy="1316056"/>
-          </a:xfrm>
-          <a:prstGeom prst="rect">
-            <a:avLst/>
-          </a:prstGeom>
         </p:spPr>
       </p:pic>
     </p:spTree>
@@ -4313,7 +4452,12 @@
             <p:ph type="title"/>
           </p:nvPr>
         </p:nvSpPr>
-        <p:spPr/>
+        <p:spPr>
+          <a:xfrm>
+            <a:off x="0" y="-125476"/>
+            <a:ext cx="10515600" cy="1325563"/>
+          </a:xfrm>
+        </p:spPr>
         <p:txBody>
           <a:bodyPr/>
           <a:lstStyle/>
@@ -4341,9 +4485,16 @@
             <p:ph idx="1"/>
           </p:nvPr>
         </p:nvSpPr>
-        <p:spPr/>
-        <p:txBody>
-          <a:bodyPr/>
+        <p:spPr>
+          <a:xfrm>
+            <a:off x="70104" y="795307"/>
+            <a:ext cx="6147816" cy="2021045"/>
+          </a:xfrm>
+        </p:spPr>
+        <p:txBody>
+          <a:bodyPr>
+            <a:normAutofit/>
+          </a:bodyPr>
           <a:lstStyle/>
           <a:p>
             <a:pPr marL="0" indent="0">
@@ -4351,7 +4502,19 @@
             </a:pPr>
             <a:r>
               <a:rPr lang="en-US" dirty="0"/>
-              <a:t>How I felt while conducting the workshop: </a:t>
+              <a:t>How I felt while preparing the workshop: </a:t>
+            </a:r>
+          </a:p>
+          <a:p>
+            <a:r>
+              <a:rPr lang="en-US" dirty="0"/>
+              <a:t>Stunned in disbelief</a:t>
+            </a:r>
+          </a:p>
+          <a:p>
+            <a:r>
+              <a:rPr lang="en-US" dirty="0"/>
+              <a:t>How to set up my computer?!?!?!?!?</a:t>
             </a:r>
           </a:p>
           <a:p>
@@ -4360,26 +4523,109 @@
             </a:pPr>
             <a:endParaRPr lang="en-US" dirty="0"/>
           </a:p>
-          <a:p>
-            <a:pPr marL="0" indent="0">
-              <a:buNone/>
-            </a:pPr>
-            <a:r>
-              <a:rPr lang="en-US" dirty="0">
-                <a:hlinkClick r:id="rId2"/>
-              </a:rPr>
-              <a:t>https://i.giphy.com/media/v1.Y2lkPTc5MGI3NjExMG9teDM2NHRzZzZ3cnQwNHJnbGNlcWdjbTg2bTRoMjRpNDE2a3FxMCZlcD12MV9pbnRlcm5hbF9naWZfYnlfaWQmY3Q9Zw/s4tWF4aWrqgOUC00Kb/giphy.gif</a:t>
-            </a:r>
-            <a:endParaRPr lang="en-US" dirty="0"/>
-          </a:p>
-          <a:p>
-            <a:pPr marL="0" indent="0">
-              <a:buNone/>
-            </a:pPr>
-            <a:endParaRPr lang="en-US" dirty="0"/>
-          </a:p>
-        </p:txBody>
-      </p:sp>
+        </p:txBody>
+      </p:sp>
+      <p:pic>
+        <p:nvPicPr>
+          <p:cNvPr id="7" name="Grafik 6">
+            <a:extLst>
+              <a:ext uri="{FF2B5EF4-FFF2-40B4-BE49-F238E27FC236}">
+                <a16:creationId xmlns:a16="http://schemas.microsoft.com/office/drawing/2014/main" id="{70F1D434-1853-4FA5-99A3-97975267E83B}"/>
+              </a:ext>
+            </a:extLst>
+          </p:cNvPr>
+          <p:cNvPicPr>
+            <a:picLocks noChangeAspect="1"/>
+          </p:cNvPicPr>
+          <p:nvPr/>
+        </p:nvPicPr>
+        <p:blipFill>
+          <a:blip r:embed="rId2">
+            <a:extLst>
+              <a:ext uri="{28A0092B-C50C-407E-A947-70E740481C1C}">
+                <a14:useLocalDpi xmlns:a14="http://schemas.microsoft.com/office/drawing/2010/main" val="0"/>
+              </a:ext>
+            </a:extLst>
+          </a:blip>
+          <a:stretch>
+            <a:fillRect/>
+          </a:stretch>
+        </p:blipFill>
+        <p:spPr>
+          <a:xfrm>
+            <a:off x="6569773" y="420403"/>
+            <a:ext cx="5164169" cy="5164169"/>
+          </a:xfrm>
+          <a:prstGeom prst="rect">
+            <a:avLst/>
+          </a:prstGeom>
+        </p:spPr>
+      </p:pic>
+      <p:pic>
+        <p:nvPicPr>
+          <p:cNvPr id="12" name="Grafik 11">
+            <a:extLst>
+              <a:ext uri="{FF2B5EF4-FFF2-40B4-BE49-F238E27FC236}">
+                <a16:creationId xmlns:a16="http://schemas.microsoft.com/office/drawing/2014/main" id="{D5EC50C4-1ADE-4E13-ADEA-A0D8667A6BCF}"/>
+              </a:ext>
+            </a:extLst>
+          </p:cNvPr>
+          <p:cNvPicPr>
+            <a:picLocks noChangeAspect="1"/>
+          </p:cNvPicPr>
+          <p:nvPr/>
+        </p:nvPicPr>
+        <p:blipFill>
+          <a:blip r:embed="rId3">
+            <a:extLst>
+              <a:ext uri="{28A0092B-C50C-407E-A947-70E740481C1C}">
+                <a14:useLocalDpi xmlns:a14="http://schemas.microsoft.com/office/drawing/2010/main" val="0"/>
+              </a:ext>
+            </a:extLst>
+          </a:blip>
+          <a:stretch>
+            <a:fillRect/>
+          </a:stretch>
+        </p:blipFill>
+        <p:spPr>
+          <a:xfrm>
+            <a:off x="9565011" y="4991260"/>
+            <a:ext cx="2397531" cy="1680399"/>
+          </a:xfrm>
+          <a:prstGeom prst="rect">
+            <a:avLst/>
+          </a:prstGeom>
+        </p:spPr>
+      </p:pic>
+      <p:pic>
+        <p:nvPicPr>
+          <p:cNvPr id="4" name="Grafik 3">
+            <a:extLst>
+              <a:ext uri="{FF2B5EF4-FFF2-40B4-BE49-F238E27FC236}">
+                <a16:creationId xmlns:a16="http://schemas.microsoft.com/office/drawing/2014/main" id="{F3684D40-143A-4389-AA23-D7D8D2C3F5A4}"/>
+              </a:ext>
+            </a:extLst>
+          </p:cNvPr>
+          <p:cNvPicPr>
+            <a:picLocks noChangeAspect="1"/>
+          </p:cNvPicPr>
+          <p:nvPr/>
+        </p:nvPicPr>
+        <p:blipFill rotWithShape="1">
+          <a:blip r:embed="rId4"/>
+          <a:srcRect t="-436"/>
+          <a:stretch/>
+        </p:blipFill>
+        <p:spPr>
+          <a:xfrm>
+            <a:off x="929164" y="2816352"/>
+            <a:ext cx="4857750" cy="3855307"/>
+          </a:xfrm>
+          <a:prstGeom prst="rect">
+            <a:avLst/>
+          </a:prstGeom>
+        </p:spPr>
+      </p:pic>
     </p:spTree>
     <p:extLst>
       <p:ext uri="{BB962C8B-B14F-4D97-AF65-F5344CB8AC3E}">

--- a/welcome slides.pptx
+++ b/welcome slides.pptx
@@ -7,9 +7,12 @@
   <p:sldIdLst>
     <p:sldId id="256" r:id="rId2"/>
     <p:sldId id="257" r:id="rId3"/>
-    <p:sldId id="258" r:id="rId4"/>
-    <p:sldId id="259" r:id="rId5"/>
-    <p:sldId id="260" r:id="rId6"/>
+    <p:sldId id="261" r:id="rId4"/>
+    <p:sldId id="263" r:id="rId5"/>
+    <p:sldId id="258" r:id="rId6"/>
+    <p:sldId id="259" r:id="rId7"/>
+    <p:sldId id="262" r:id="rId8"/>
+    <p:sldId id="260" r:id="rId9"/>
   </p:sldIdLst>
   <p:sldSz cx="12192000" cy="6858000"/>
   <p:notesSz cx="6858000" cy="9144000"/>
@@ -265,7 +268,7 @@
           <a:p>
             <a:fld id="{88253116-A3B1-4586-8FFF-3EB764760934}" type="datetimeFigureOut">
               <a:rPr lang="en-US" smtClean="0"/>
-              <a:t>10/22/2024</a:t>
+              <a:t>11/3/2024</a:t>
             </a:fld>
             <a:endParaRPr lang="en-US"/>
           </a:p>
@@ -465,7 +468,7 @@
           <a:p>
             <a:fld id="{88253116-A3B1-4586-8FFF-3EB764760934}" type="datetimeFigureOut">
               <a:rPr lang="en-US" smtClean="0"/>
-              <a:t>10/22/2024</a:t>
+              <a:t>11/3/2024</a:t>
             </a:fld>
             <a:endParaRPr lang="en-US"/>
           </a:p>
@@ -675,7 +678,7 @@
           <a:p>
             <a:fld id="{88253116-A3B1-4586-8FFF-3EB764760934}" type="datetimeFigureOut">
               <a:rPr lang="en-US" smtClean="0"/>
-              <a:t>10/22/2024</a:t>
+              <a:t>11/3/2024</a:t>
             </a:fld>
             <a:endParaRPr lang="en-US"/>
           </a:p>
@@ -875,7 +878,7 @@
           <a:p>
             <a:fld id="{88253116-A3B1-4586-8FFF-3EB764760934}" type="datetimeFigureOut">
               <a:rPr lang="en-US" smtClean="0"/>
-              <a:t>10/22/2024</a:t>
+              <a:t>11/3/2024</a:t>
             </a:fld>
             <a:endParaRPr lang="en-US"/>
           </a:p>
@@ -1151,7 +1154,7 @@
           <a:p>
             <a:fld id="{88253116-A3B1-4586-8FFF-3EB764760934}" type="datetimeFigureOut">
               <a:rPr lang="en-US" smtClean="0"/>
-              <a:t>10/22/2024</a:t>
+              <a:t>11/3/2024</a:t>
             </a:fld>
             <a:endParaRPr lang="en-US"/>
           </a:p>
@@ -1419,7 +1422,7 @@
           <a:p>
             <a:fld id="{88253116-A3B1-4586-8FFF-3EB764760934}" type="datetimeFigureOut">
               <a:rPr lang="en-US" smtClean="0"/>
-              <a:t>10/22/2024</a:t>
+              <a:t>11/3/2024</a:t>
             </a:fld>
             <a:endParaRPr lang="en-US"/>
           </a:p>
@@ -1834,7 +1837,7 @@
           <a:p>
             <a:fld id="{88253116-A3B1-4586-8FFF-3EB764760934}" type="datetimeFigureOut">
               <a:rPr lang="en-US" smtClean="0"/>
-              <a:t>10/22/2024</a:t>
+              <a:t>11/3/2024</a:t>
             </a:fld>
             <a:endParaRPr lang="en-US"/>
           </a:p>
@@ -1976,7 +1979,7 @@
           <a:p>
             <a:fld id="{88253116-A3B1-4586-8FFF-3EB764760934}" type="datetimeFigureOut">
               <a:rPr lang="en-US" smtClean="0"/>
-              <a:t>10/22/2024</a:t>
+              <a:t>11/3/2024</a:t>
             </a:fld>
             <a:endParaRPr lang="en-US"/>
           </a:p>
@@ -2089,7 +2092,7 @@
           <a:p>
             <a:fld id="{88253116-A3B1-4586-8FFF-3EB764760934}" type="datetimeFigureOut">
               <a:rPr lang="en-US" smtClean="0"/>
-              <a:t>10/22/2024</a:t>
+              <a:t>11/3/2024</a:t>
             </a:fld>
             <a:endParaRPr lang="en-US"/>
           </a:p>
@@ -2402,7 +2405,7 @@
           <a:p>
             <a:fld id="{88253116-A3B1-4586-8FFF-3EB764760934}" type="datetimeFigureOut">
               <a:rPr lang="en-US" smtClean="0"/>
-              <a:t>10/22/2024</a:t>
+              <a:t>11/3/2024</a:t>
             </a:fld>
             <a:endParaRPr lang="en-US"/>
           </a:p>
@@ -2691,7 +2694,7 @@
           <a:p>
             <a:fld id="{88253116-A3B1-4586-8FFF-3EB764760934}" type="datetimeFigureOut">
               <a:rPr lang="en-US" smtClean="0"/>
-              <a:t>10/22/2024</a:t>
+              <a:t>11/3/2024</a:t>
             </a:fld>
             <a:endParaRPr lang="en-US"/>
           </a:p>
@@ -2934,7 +2937,7 @@
           <a:p>
             <a:fld id="{88253116-A3B1-4586-8FFF-3EB764760934}" type="datetimeFigureOut">
               <a:rPr lang="en-US" smtClean="0"/>
-              <a:t>10/22/2024</a:t>
+              <a:t>11/3/2024</a:t>
             </a:fld>
             <a:endParaRPr lang="en-US"/>
           </a:p>
@@ -3503,7 +3506,7 @@
             </a:br>
             <a:r>
               <a:rPr lang="en-US" sz="3600" dirty="0"/>
-              <a:t>Too much too little time &gt;&gt; 100 slides</a:t>
+              <a:t>Too much too little time &gt; 200 slides</a:t>
             </a:r>
             <a:endParaRPr lang="en-US" dirty="0"/>
           </a:p>
@@ -3553,12 +3556,6 @@
             <a:r>
               <a:rPr lang="en-US" dirty="0"/>
               <a:t>Relatively little interaction, more in the form of a monologue</a:t>
-            </a:r>
-          </a:p>
-          <a:p>
-            <a:r>
-              <a:rPr lang="en-US" dirty="0"/>
-              <a:t>Set up working groups regarding X if desired?</a:t>
             </a:r>
           </a:p>
           <a:p>
@@ -3588,7 +3585,7 @@
         </p:blipFill>
         <p:spPr>
           <a:xfrm>
-            <a:off x="3133344" y="4824952"/>
+            <a:off x="3317827" y="4660360"/>
             <a:ext cx="1966946" cy="1949767"/>
           </a:xfrm>
           <a:prstGeom prst="rect">
@@ -3598,10 +3595,10 @@
       </p:pic>
       <p:pic>
         <p:nvPicPr>
-          <p:cNvPr id="4" name="Grafik 3">
-            <a:extLst>
-              <a:ext uri="{FF2B5EF4-FFF2-40B4-BE49-F238E27FC236}">
-                <a16:creationId xmlns:a16="http://schemas.microsoft.com/office/drawing/2014/main" id="{BCE332A0-A431-4AE0-BAF1-DC001F61655D}"/>
+          <p:cNvPr id="7" name="Grafik 6">
+            <a:extLst>
+              <a:ext uri="{FF2B5EF4-FFF2-40B4-BE49-F238E27FC236}">
+                <a16:creationId xmlns:a16="http://schemas.microsoft.com/office/drawing/2014/main" id="{A91DB0C1-B4E2-41F9-86D4-B8981F2DD25E}"/>
               </a:ext>
             </a:extLst>
           </p:cNvPr>
@@ -3618,8 +3615,8 @@
         </p:blipFill>
         <p:spPr>
           <a:xfrm>
-            <a:off x="8141208" y="365124"/>
-            <a:ext cx="2968752" cy="5694867"/>
+            <a:off x="7764399" y="269144"/>
+            <a:ext cx="3905250" cy="6505575"/>
           </a:xfrm>
           <a:prstGeom prst="rect">
             <a:avLst/>
@@ -3661,6 +3658,927 @@
           <p:cNvPr id="2" name="Titel 1">
             <a:extLst>
               <a:ext uri="{FF2B5EF4-FFF2-40B4-BE49-F238E27FC236}">
+                <a16:creationId xmlns:a16="http://schemas.microsoft.com/office/drawing/2014/main" id="{9AF4E88A-F1E7-4ADF-B0B0-A2F8F6FD3244}"/>
+              </a:ext>
+            </a:extLst>
+          </p:cNvPr>
+          <p:cNvSpPr>
+            <a:spLocks noGrp="1"/>
+          </p:cNvSpPr>
+          <p:nvPr>
+            <p:ph type="title"/>
+          </p:nvPr>
+        </p:nvSpPr>
+        <p:spPr/>
+        <p:txBody>
+          <a:bodyPr/>
+          <a:lstStyle/>
+          <a:p>
+            <a:r>
+              <a:rPr lang="en-US" dirty="0"/>
+              <a:t>Workshop procedure</a:t>
+            </a:r>
+            <a:br>
+              <a:rPr lang="en-US" dirty="0"/>
+            </a:br>
+            <a:r>
+              <a:rPr lang="en-US" sz="3600" dirty="0"/>
+              <a:t>Too much too little time &gt; 200 slides</a:t>
+            </a:r>
+            <a:endParaRPr lang="en-US" dirty="0"/>
+          </a:p>
+        </p:txBody>
+      </p:sp>
+      <p:sp>
+        <p:nvSpPr>
+          <p:cNvPr id="3" name="Inhaltsplatzhalter 2">
+            <a:extLst>
+              <a:ext uri="{FF2B5EF4-FFF2-40B4-BE49-F238E27FC236}">
+                <a16:creationId xmlns:a16="http://schemas.microsoft.com/office/drawing/2014/main" id="{420B08DC-072D-4F9E-9814-F6AA6861185A}"/>
+              </a:ext>
+            </a:extLst>
+          </p:cNvPr>
+          <p:cNvSpPr>
+            <a:spLocks noGrp="1"/>
+          </p:cNvSpPr>
+          <p:nvPr>
+            <p:ph idx="1"/>
+          </p:nvPr>
+        </p:nvSpPr>
+        <p:spPr>
+          <a:xfrm>
+            <a:off x="838200" y="1690688"/>
+            <a:ext cx="6595872" cy="4947856"/>
+          </a:xfrm>
+        </p:spPr>
+        <p:txBody>
+          <a:bodyPr>
+            <a:normAutofit/>
+          </a:bodyPr>
+          <a:lstStyle/>
+          <a:p>
+            <a:r>
+              <a:rPr lang="en-US" dirty="0"/>
+              <a:t>the slides can be used for reference and self-study</a:t>
+            </a:r>
+          </a:p>
+          <a:p>
+            <a:endParaRPr lang="en-US" dirty="0"/>
+          </a:p>
+          <a:p>
+            <a:pPr marL="0" indent="0">
+              <a:buNone/>
+            </a:pPr>
+            <a:r>
+              <a:rPr lang="en-US" dirty="0"/>
+              <a:t>Two long-term ideas</a:t>
+            </a:r>
+          </a:p>
+          <a:p>
+            <a:r>
+              <a:rPr lang="en-US" dirty="0"/>
+              <a:t>Set up working groups regarding X if desired?</a:t>
+            </a:r>
+          </a:p>
+          <a:p>
+            <a:pPr marL="0" indent="0">
+              <a:buNone/>
+            </a:pPr>
+            <a:endParaRPr lang="en-US" dirty="0"/>
+          </a:p>
+          <a:p>
+            <a:pPr marL="0" indent="0">
+              <a:buNone/>
+            </a:pPr>
+            <a:endParaRPr lang="en-US" dirty="0"/>
+          </a:p>
+          <a:p>
+            <a:pPr marL="0" indent="0">
+              <a:buNone/>
+            </a:pPr>
+            <a:endParaRPr lang="en-US" dirty="0"/>
+          </a:p>
+          <a:p>
+            <a:r>
+              <a:rPr lang="en-US" dirty="0"/>
+              <a:t>Conduct another “hands on” workshop?</a:t>
+            </a:r>
+          </a:p>
+        </p:txBody>
+      </p:sp>
+      <p:pic>
+        <p:nvPicPr>
+          <p:cNvPr id="4" name="Grafik 3">
+            <a:extLst>
+              <a:ext uri="{FF2B5EF4-FFF2-40B4-BE49-F238E27FC236}">
+                <a16:creationId xmlns:a16="http://schemas.microsoft.com/office/drawing/2014/main" id="{F36915BB-4ACD-4BAF-95E6-4E66C9B68A1A}"/>
+              </a:ext>
+            </a:extLst>
+          </p:cNvPr>
+          <p:cNvPicPr>
+            <a:picLocks noChangeAspect="1"/>
+          </p:cNvPicPr>
+          <p:nvPr/>
+        </p:nvPicPr>
+        <p:blipFill>
+          <a:blip r:embed="rId2"/>
+          <a:stretch>
+            <a:fillRect/>
+          </a:stretch>
+        </p:blipFill>
+        <p:spPr>
+          <a:xfrm>
+            <a:off x="8367144" y="152273"/>
+            <a:ext cx="3595683" cy="3551047"/>
+          </a:xfrm>
+          <a:prstGeom prst="rect">
+            <a:avLst/>
+          </a:prstGeom>
+        </p:spPr>
+      </p:pic>
+      <p:pic>
+        <p:nvPicPr>
+          <p:cNvPr id="5" name="Grafik 4">
+            <a:extLst>
+              <a:ext uri="{FF2B5EF4-FFF2-40B4-BE49-F238E27FC236}">
+                <a16:creationId xmlns:a16="http://schemas.microsoft.com/office/drawing/2014/main" id="{23E66EF9-5D5B-4E86-A819-B07C453CECB1}"/>
+              </a:ext>
+            </a:extLst>
+          </p:cNvPr>
+          <p:cNvPicPr>
+            <a:picLocks noChangeAspect="1"/>
+          </p:cNvPicPr>
+          <p:nvPr/>
+        </p:nvPicPr>
+        <p:blipFill>
+          <a:blip r:embed="rId3"/>
+          <a:stretch>
+            <a:fillRect/>
+          </a:stretch>
+        </p:blipFill>
+        <p:spPr>
+          <a:xfrm>
+            <a:off x="1335024" y="4629882"/>
+            <a:ext cx="3984688" cy="1224818"/>
+          </a:xfrm>
+          <a:prstGeom prst="rect">
+            <a:avLst/>
+          </a:prstGeom>
+        </p:spPr>
+      </p:pic>
+      <p:pic>
+        <p:nvPicPr>
+          <p:cNvPr id="8" name="Grafik 7">
+            <a:extLst>
+              <a:ext uri="{FF2B5EF4-FFF2-40B4-BE49-F238E27FC236}">
+                <a16:creationId xmlns:a16="http://schemas.microsoft.com/office/drawing/2014/main" id="{657CC312-BCD6-43CB-9AC4-8676D7F0E4EC}"/>
+              </a:ext>
+            </a:extLst>
+          </p:cNvPr>
+          <p:cNvPicPr>
+            <a:picLocks noChangeAspect="1"/>
+          </p:cNvPicPr>
+          <p:nvPr/>
+        </p:nvPicPr>
+        <p:blipFill>
+          <a:blip r:embed="rId4"/>
+          <a:stretch>
+            <a:fillRect/>
+          </a:stretch>
+        </p:blipFill>
+        <p:spPr>
+          <a:xfrm>
+            <a:off x="5604796" y="4629882"/>
+            <a:ext cx="5330473" cy="1139982"/>
+          </a:xfrm>
+          <a:prstGeom prst="rect">
+            <a:avLst/>
+          </a:prstGeom>
+        </p:spPr>
+      </p:pic>
+    </p:spTree>
+    <p:extLst>
+      <p:ext uri="{BB962C8B-B14F-4D97-AF65-F5344CB8AC3E}">
+        <p14:creationId xmlns:p14="http://schemas.microsoft.com/office/powerpoint/2010/main" val="4022518737"/>
+      </p:ext>
+    </p:extLst>
+  </p:cSld>
+  <p:clrMapOvr>
+    <a:masterClrMapping/>
+  </p:clrMapOvr>
+</p:sld>
+</file>
+
+<file path=ppt/slides/slide4.xml><?xml version="1.0" encoding="utf-8"?>
+<p:sld xmlns:a="http://schemas.openxmlformats.org/drawingml/2006/main" xmlns:r="http://schemas.openxmlformats.org/officeDocument/2006/relationships" xmlns:p="http://schemas.openxmlformats.org/presentationml/2006/main">
+  <p:cSld>
+    <p:spTree>
+      <p:nvGrpSpPr>
+        <p:cNvPr id="1" name=""/>
+        <p:cNvGrpSpPr/>
+        <p:nvPr/>
+      </p:nvGrpSpPr>
+      <p:grpSpPr>
+        <a:xfrm>
+          <a:off x="0" y="0"/>
+          <a:ext cx="0" cy="0"/>
+          <a:chOff x="0" y="0"/>
+          <a:chExt cx="0" cy="0"/>
+        </a:xfrm>
+      </p:grpSpPr>
+      <p:sp>
+        <p:nvSpPr>
+          <p:cNvPr id="2" name="Titel 1">
+            <a:extLst>
+              <a:ext uri="{FF2B5EF4-FFF2-40B4-BE49-F238E27FC236}">
+                <a16:creationId xmlns:a16="http://schemas.microsoft.com/office/drawing/2014/main" id="{9AF4E88A-F1E7-4ADF-B0B0-A2F8F6FD3244}"/>
+              </a:ext>
+            </a:extLst>
+          </p:cNvPr>
+          <p:cNvSpPr>
+            <a:spLocks noGrp="1"/>
+          </p:cNvSpPr>
+          <p:nvPr>
+            <p:ph type="title"/>
+          </p:nvPr>
+        </p:nvSpPr>
+        <p:spPr>
+          <a:xfrm>
+            <a:off x="838200" y="-138477"/>
+            <a:ext cx="10515600" cy="1325563"/>
+          </a:xfrm>
+        </p:spPr>
+        <p:txBody>
+          <a:bodyPr/>
+          <a:lstStyle/>
+          <a:p>
+            <a:r>
+              <a:rPr lang="en-US" dirty="0"/>
+              <a:t>Record my screen</a:t>
+            </a:r>
+          </a:p>
+        </p:txBody>
+      </p:sp>
+      <p:pic>
+        <p:nvPicPr>
+          <p:cNvPr id="7" name="Grafik 6">
+            <a:extLst>
+              <a:ext uri="{FF2B5EF4-FFF2-40B4-BE49-F238E27FC236}">
+                <a16:creationId xmlns:a16="http://schemas.microsoft.com/office/drawing/2014/main" id="{E8EDB4A0-ACCA-4AC3-A13C-15D523F55D13}"/>
+              </a:ext>
+            </a:extLst>
+          </p:cNvPr>
+          <p:cNvPicPr>
+            <a:picLocks noChangeAspect="1"/>
+          </p:cNvPicPr>
+          <p:nvPr/>
+        </p:nvPicPr>
+        <p:blipFill>
+          <a:blip r:embed="rId2">
+            <a:extLst>
+              <a:ext uri="{28A0092B-C50C-407E-A947-70E740481C1C}">
+                <a14:useLocalDpi xmlns:a14="http://schemas.microsoft.com/office/drawing/2010/main" val="0"/>
+              </a:ext>
+            </a:extLst>
+          </a:blip>
+          <a:stretch>
+            <a:fillRect/>
+          </a:stretch>
+        </p:blipFill>
+        <p:spPr>
+          <a:xfrm>
+            <a:off x="10185399" y="371110"/>
+            <a:ext cx="1325563" cy="1325563"/>
+          </a:xfrm>
+          <a:prstGeom prst="rect">
+            <a:avLst/>
+          </a:prstGeom>
+        </p:spPr>
+      </p:pic>
+      <p:sp>
+        <p:nvSpPr>
+          <p:cNvPr id="10" name="Rectangle 2">
+            <a:extLst>
+              <a:ext uri="{FF2B5EF4-FFF2-40B4-BE49-F238E27FC236}">
+                <a16:creationId xmlns:a16="http://schemas.microsoft.com/office/drawing/2014/main" id="{786DC0ED-DF85-41BC-B01F-79C90DCF9235}"/>
+              </a:ext>
+            </a:extLst>
+          </p:cNvPr>
+          <p:cNvSpPr>
+            <a:spLocks noGrp="1" noChangeArrowheads="1"/>
+          </p:cNvSpPr>
+          <p:nvPr>
+            <p:ph idx="1"/>
+          </p:nvPr>
+        </p:nvSpPr>
+        <p:spPr bwMode="auto">
+          <a:xfrm>
+            <a:off x="838200" y="963615"/>
+            <a:ext cx="10829925" cy="5078313"/>
+          </a:xfrm>
+          <a:prstGeom prst="rect">
+            <a:avLst/>
+          </a:prstGeom>
+          <a:noFill/>
+          <a:ln>
+            <a:noFill/>
+          </a:ln>
+          <a:effectLst/>
+          <a:extLst>
+            <a:ext uri="{909E8E84-426E-40DD-AFC4-6F175D3DCCD1}">
+              <a14:hiddenFill xmlns:a14="http://schemas.microsoft.com/office/drawing/2010/main">
+                <a:solidFill>
+                  <a:schemeClr val="accent1"/>
+                </a:solidFill>
+              </a14:hiddenFill>
+            </a:ext>
+            <a:ext uri="{91240B29-F687-4F45-9708-019B960494DF}">
+              <a14:hiddenLine xmlns:a14="http://schemas.microsoft.com/office/drawing/2010/main" w="9525">
+                <a:solidFill>
+                  <a:schemeClr val="tx1"/>
+                </a:solidFill>
+                <a:miter lim="800000"/>
+                <a:headEnd/>
+                <a:tailEnd/>
+              </a14:hiddenLine>
+            </a:ext>
+            <a:ext uri="{AF507438-7753-43E0-B8FC-AC1667EBCBE1}">
+              <a14:hiddenEffects xmlns:a14="http://schemas.microsoft.com/office/drawing/2010/main">
+                <a:effectLst>
+                  <a:outerShdw dist="35921" dir="2700000" algn="ctr" rotWithShape="0">
+                    <a:schemeClr val="bg2"/>
+                  </a:outerShdw>
+                </a:effectLst>
+              </a14:hiddenEffects>
+            </a:ext>
+          </a:extLst>
+        </p:spPr>
+        <p:txBody>
+          <a:bodyPr vert="horz" wrap="square" lIns="91440" tIns="45720" rIns="91440" bIns="45720" numCol="1" anchor="ctr" anchorCtr="0" compatLnSpc="1">
+            <a:prstTxWarp prst="textNoShape">
+              <a:avLst/>
+            </a:prstTxWarp>
+            <a:spAutoFit/>
+          </a:bodyPr>
+          <a:lstStyle/>
+          <a:p>
+            <a:pPr marL="0" marR="0" lvl="0" indent="0" algn="l" defTabSz="914400" rtl="0" eaLnBrk="0" fontAlgn="base" latinLnBrk="0" hangingPunct="0">
+              <a:lnSpc>
+                <a:spcPct val="100000"/>
+              </a:lnSpc>
+              <a:spcBef>
+                <a:spcPct val="0"/>
+              </a:spcBef>
+              <a:spcAft>
+                <a:spcPct val="0"/>
+              </a:spcAft>
+              <a:buClrTx/>
+              <a:buSzTx/>
+              <a:buNone/>
+              <a:tabLst/>
+            </a:pPr>
+            <a:r>
+              <a:rPr kumimoji="0" lang="en-US" altLang="en-US" sz="1800" b="1" i="0" u="none" strike="noStrike" cap="none" normalizeH="0" baseline="0" dirty="0">
+                <a:ln>
+                  <a:noFill/>
+                </a:ln>
+                <a:solidFill>
+                  <a:schemeClr val="tx1"/>
+                </a:solidFill>
+                <a:effectLst/>
+                <a:latin typeface="Arial" panose="020B0604020202020204" pitchFamily="34" charset="0"/>
+              </a:rPr>
+              <a:t>Open Broadcaster Software (OBS) Overview</a:t>
+            </a:r>
+            <a:r>
+              <a:rPr kumimoji="0" lang="en-US" altLang="en-US" sz="1800" b="0" i="0" u="none" strike="noStrike" cap="none" normalizeH="0" baseline="0" dirty="0">
+                <a:ln>
+                  <a:noFill/>
+                </a:ln>
+                <a:solidFill>
+                  <a:schemeClr val="tx1"/>
+                </a:solidFill>
+                <a:effectLst/>
+                <a:latin typeface="Arial" panose="020B0604020202020204" pitchFamily="34" charset="0"/>
+              </a:rPr>
+              <a:t>:</a:t>
+            </a:r>
+          </a:p>
+          <a:p>
+            <a:pPr eaLnBrk="0" fontAlgn="base" hangingPunct="0">
+              <a:lnSpc>
+                <a:spcPct val="100000"/>
+              </a:lnSpc>
+              <a:spcBef>
+                <a:spcPct val="0"/>
+              </a:spcBef>
+              <a:spcAft>
+                <a:spcPct val="0"/>
+              </a:spcAft>
+            </a:pPr>
+            <a:r>
+              <a:rPr kumimoji="0" lang="en-US" altLang="en-US" sz="1800" b="0" i="0" u="none" strike="noStrike" cap="none" normalizeH="0" baseline="0" dirty="0">
+                <a:ln>
+                  <a:noFill/>
+                </a:ln>
+                <a:solidFill>
+                  <a:schemeClr val="tx1"/>
+                </a:solidFill>
+                <a:effectLst/>
+                <a:latin typeface="Arial" panose="020B0604020202020204" pitchFamily="34" charset="0"/>
+              </a:rPr>
+              <a:t>OBS Studio is a free, open-source software used for video recording and live streaming.</a:t>
+            </a:r>
+          </a:p>
+          <a:p>
+            <a:pPr marL="0" marR="0" lvl="0" indent="0" algn="l" defTabSz="914400" rtl="0" eaLnBrk="0" fontAlgn="base" latinLnBrk="0" hangingPunct="0">
+              <a:lnSpc>
+                <a:spcPct val="100000"/>
+              </a:lnSpc>
+              <a:spcBef>
+                <a:spcPct val="0"/>
+              </a:spcBef>
+              <a:spcAft>
+                <a:spcPct val="0"/>
+              </a:spcAft>
+              <a:buClrTx/>
+              <a:buSzTx/>
+              <a:buNone/>
+              <a:tabLst/>
+            </a:pPr>
+            <a:endParaRPr kumimoji="0" lang="en-US" altLang="en-US" sz="1800" b="1" i="0" u="none" strike="noStrike" cap="none" normalizeH="0" baseline="0" dirty="0">
+              <a:ln>
+                <a:noFill/>
+              </a:ln>
+              <a:solidFill>
+                <a:schemeClr val="tx1"/>
+              </a:solidFill>
+              <a:effectLst/>
+              <a:latin typeface="Arial" panose="020B0604020202020204" pitchFamily="34" charset="0"/>
+            </a:endParaRPr>
+          </a:p>
+          <a:p>
+            <a:pPr marL="0" marR="0" lvl="0" indent="0" algn="l" defTabSz="914400" rtl="0" eaLnBrk="0" fontAlgn="base" latinLnBrk="0" hangingPunct="0">
+              <a:lnSpc>
+                <a:spcPct val="100000"/>
+              </a:lnSpc>
+              <a:spcBef>
+                <a:spcPct val="0"/>
+              </a:spcBef>
+              <a:spcAft>
+                <a:spcPct val="0"/>
+              </a:spcAft>
+              <a:buClrTx/>
+              <a:buSzTx/>
+              <a:buNone/>
+              <a:tabLst/>
+            </a:pPr>
+            <a:r>
+              <a:rPr kumimoji="0" lang="en-US" altLang="en-US" sz="1800" b="1" i="0" u="none" strike="noStrike" cap="none" normalizeH="0" baseline="0" dirty="0">
+                <a:ln>
+                  <a:noFill/>
+                </a:ln>
+                <a:solidFill>
+                  <a:schemeClr val="tx1"/>
+                </a:solidFill>
+                <a:effectLst/>
+                <a:latin typeface="Arial" panose="020B0604020202020204" pitchFamily="34" charset="0"/>
+              </a:rPr>
+              <a:t>Screen Recording</a:t>
+            </a:r>
+            <a:r>
+              <a:rPr kumimoji="0" lang="en-US" altLang="en-US" sz="1800" b="0" i="0" u="none" strike="noStrike" cap="none" normalizeH="0" baseline="0" dirty="0">
+                <a:ln>
+                  <a:noFill/>
+                </a:ln>
+                <a:solidFill>
+                  <a:schemeClr val="tx1"/>
+                </a:solidFill>
+                <a:effectLst/>
+                <a:latin typeface="Arial" panose="020B0604020202020204" pitchFamily="34" charset="0"/>
+              </a:rPr>
+              <a:t>: </a:t>
+            </a:r>
+          </a:p>
+          <a:p>
+            <a:pPr eaLnBrk="0" fontAlgn="base" hangingPunct="0">
+              <a:lnSpc>
+                <a:spcPct val="100000"/>
+              </a:lnSpc>
+              <a:spcBef>
+                <a:spcPct val="0"/>
+              </a:spcBef>
+              <a:spcAft>
+                <a:spcPct val="0"/>
+              </a:spcAft>
+            </a:pPr>
+            <a:r>
+              <a:rPr kumimoji="0" lang="en-US" altLang="en-US" sz="1800" b="0" i="0" u="none" strike="noStrike" cap="none" normalizeH="0" baseline="0" dirty="0">
+                <a:ln>
+                  <a:noFill/>
+                </a:ln>
+                <a:solidFill>
+                  <a:schemeClr val="tx1"/>
+                </a:solidFill>
+                <a:effectLst/>
+                <a:latin typeface="Arial" panose="020B0604020202020204" pitchFamily="34" charset="0"/>
+              </a:rPr>
+              <a:t>I will only record the screen</a:t>
+            </a:r>
+            <a:r>
+              <a:rPr lang="en-US" altLang="en-US" sz="1800" dirty="0">
+                <a:latin typeface="Arial" panose="020B0604020202020204" pitchFamily="34" charset="0"/>
+              </a:rPr>
+              <a:t> from my</a:t>
+            </a:r>
+            <a:r>
+              <a:rPr kumimoji="0" lang="en-US" altLang="en-US" sz="1800" b="0" i="0" u="none" strike="noStrike" cap="none" normalizeH="0" baseline="0" dirty="0">
+                <a:ln>
+                  <a:noFill/>
+                </a:ln>
+                <a:solidFill>
+                  <a:schemeClr val="tx1"/>
+                </a:solidFill>
+                <a:effectLst/>
+                <a:latin typeface="Arial" panose="020B0604020202020204" pitchFamily="34" charset="0"/>
+              </a:rPr>
+              <a:t> shared window and record my audio.</a:t>
+            </a:r>
+          </a:p>
+          <a:p>
+            <a:pPr marL="0" marR="0" lvl="0" indent="0" algn="l" defTabSz="914400" rtl="0" eaLnBrk="0" fontAlgn="base" latinLnBrk="0" hangingPunct="0">
+              <a:lnSpc>
+                <a:spcPct val="100000"/>
+              </a:lnSpc>
+              <a:spcBef>
+                <a:spcPct val="0"/>
+              </a:spcBef>
+              <a:spcAft>
+                <a:spcPct val="0"/>
+              </a:spcAft>
+              <a:buClrTx/>
+              <a:buSzTx/>
+              <a:buNone/>
+              <a:tabLst/>
+            </a:pPr>
+            <a:endParaRPr kumimoji="0" lang="en-US" altLang="en-US" sz="1800" b="1" i="0" u="none" strike="noStrike" cap="none" normalizeH="0" baseline="0" dirty="0">
+              <a:ln>
+                <a:noFill/>
+              </a:ln>
+              <a:solidFill>
+                <a:schemeClr val="tx1"/>
+              </a:solidFill>
+              <a:effectLst/>
+              <a:latin typeface="Arial" panose="020B0604020202020204" pitchFamily="34" charset="0"/>
+            </a:endParaRPr>
+          </a:p>
+          <a:p>
+            <a:pPr marL="0" marR="0" lvl="0" indent="0" algn="l" defTabSz="914400" rtl="0" eaLnBrk="0" fontAlgn="base" latinLnBrk="0" hangingPunct="0">
+              <a:lnSpc>
+                <a:spcPct val="100000"/>
+              </a:lnSpc>
+              <a:spcBef>
+                <a:spcPct val="0"/>
+              </a:spcBef>
+              <a:spcAft>
+                <a:spcPct val="0"/>
+              </a:spcAft>
+              <a:buClrTx/>
+              <a:buSzTx/>
+              <a:buNone/>
+              <a:tabLst/>
+            </a:pPr>
+            <a:r>
+              <a:rPr kumimoji="0" lang="en-US" altLang="en-US" sz="1800" b="1" i="0" u="none" strike="noStrike" cap="none" normalizeH="0" baseline="0" dirty="0">
+                <a:ln>
+                  <a:noFill/>
+                </a:ln>
+                <a:solidFill>
+                  <a:schemeClr val="tx1"/>
+                </a:solidFill>
+                <a:effectLst/>
+                <a:latin typeface="Arial" panose="020B0604020202020204" pitchFamily="34" charset="0"/>
+              </a:rPr>
+              <a:t>Intended Use</a:t>
+            </a:r>
+            <a:r>
+              <a:rPr kumimoji="0" lang="en-US" altLang="en-US" sz="1800" b="0" i="0" u="none" strike="noStrike" cap="none" normalizeH="0" baseline="0" dirty="0">
+                <a:ln>
+                  <a:noFill/>
+                </a:ln>
+                <a:solidFill>
+                  <a:schemeClr val="tx1"/>
+                </a:solidFill>
+                <a:effectLst/>
+                <a:latin typeface="Arial" panose="020B0604020202020204" pitchFamily="34" charset="0"/>
+              </a:rPr>
+              <a:t>:</a:t>
+            </a:r>
+          </a:p>
+          <a:p>
+            <a:pPr eaLnBrk="0" fontAlgn="base" hangingPunct="0">
+              <a:lnSpc>
+                <a:spcPct val="100000"/>
+              </a:lnSpc>
+              <a:spcBef>
+                <a:spcPct val="0"/>
+              </a:spcBef>
+              <a:spcAft>
+                <a:spcPct val="0"/>
+              </a:spcAft>
+            </a:pPr>
+            <a:r>
+              <a:rPr kumimoji="0" lang="en-US" altLang="en-US" sz="1800" b="1" i="0" u="none" strike="noStrike" cap="none" normalizeH="0" baseline="0" dirty="0">
+                <a:ln>
+                  <a:noFill/>
+                </a:ln>
+                <a:solidFill>
+                  <a:schemeClr val="tx1"/>
+                </a:solidFill>
+                <a:effectLst/>
+                <a:latin typeface="Arial" panose="020B0604020202020204" pitchFamily="34" charset="0"/>
+              </a:rPr>
+              <a:t>For Internal Use Only</a:t>
+            </a:r>
+            <a:r>
+              <a:rPr kumimoji="0" lang="en-US" altLang="en-US" sz="1800" b="0" i="0" u="none" strike="noStrike" cap="none" normalizeH="0" baseline="0" dirty="0">
+                <a:ln>
+                  <a:noFill/>
+                </a:ln>
+                <a:solidFill>
+                  <a:schemeClr val="tx1"/>
+                </a:solidFill>
+                <a:effectLst/>
+                <a:latin typeface="Arial" panose="020B0604020202020204" pitchFamily="34" charset="0"/>
+              </a:rPr>
+              <a:t>: Screen recordings created with OBS are solely for internal documentation.</a:t>
+            </a:r>
+          </a:p>
+          <a:p>
+            <a:pPr marL="0" indent="0" eaLnBrk="0" fontAlgn="base" hangingPunct="0">
+              <a:lnSpc>
+                <a:spcPct val="100000"/>
+              </a:lnSpc>
+              <a:spcBef>
+                <a:spcPct val="0"/>
+              </a:spcBef>
+              <a:spcAft>
+                <a:spcPct val="0"/>
+              </a:spcAft>
+              <a:buNone/>
+            </a:pPr>
+            <a:endParaRPr lang="en-US" altLang="en-US" sz="1800" dirty="0">
+              <a:latin typeface="Arial" panose="020B0604020202020204" pitchFamily="34" charset="0"/>
+            </a:endParaRPr>
+          </a:p>
+          <a:p>
+            <a:pPr marL="0" indent="0" eaLnBrk="0" fontAlgn="base" hangingPunct="0">
+              <a:lnSpc>
+                <a:spcPct val="100000"/>
+              </a:lnSpc>
+              <a:spcBef>
+                <a:spcPct val="0"/>
+              </a:spcBef>
+              <a:spcAft>
+                <a:spcPct val="0"/>
+              </a:spcAft>
+              <a:buNone/>
+            </a:pPr>
+            <a:r>
+              <a:rPr lang="en-US" altLang="en-US" sz="1800" b="1" dirty="0">
+                <a:latin typeface="Arial" panose="020B0604020202020204" pitchFamily="34" charset="0"/>
+              </a:rPr>
+              <a:t>Goal</a:t>
+            </a:r>
+            <a:r>
+              <a:rPr lang="en-US" altLang="en-US" sz="1800" dirty="0">
+                <a:latin typeface="Arial" panose="020B0604020202020204" pitchFamily="34" charset="0"/>
+              </a:rPr>
+              <a:t>:</a:t>
+            </a:r>
+          </a:p>
+          <a:p>
+            <a:pPr eaLnBrk="0" fontAlgn="base" hangingPunct="0">
+              <a:lnSpc>
+                <a:spcPct val="100000"/>
+              </a:lnSpc>
+              <a:spcBef>
+                <a:spcPct val="0"/>
+              </a:spcBef>
+              <a:spcAft>
+                <a:spcPct val="0"/>
+              </a:spcAft>
+              <a:buFont typeface="Symbol" panose="05050102010706020507" pitchFamily="18" charset="2"/>
+              <a:buChar char="Þ"/>
+            </a:pPr>
+            <a:r>
+              <a:rPr kumimoji="0" lang="en-US" altLang="en-US" sz="1800" b="0" i="0" u="none" strike="noStrike" cap="none" normalizeH="0" baseline="0" dirty="0">
+                <a:ln>
+                  <a:noFill/>
+                </a:ln>
+                <a:solidFill>
+                  <a:schemeClr val="tx1"/>
+                </a:solidFill>
+                <a:effectLst/>
+                <a:latin typeface="Arial" panose="020B0604020202020204" pitchFamily="34" charset="0"/>
+              </a:rPr>
+              <a:t>A student will apply LLMs locally to</a:t>
+            </a:r>
+          </a:p>
+          <a:p>
+            <a:pPr marL="0" indent="0" eaLnBrk="0" fontAlgn="base" hangingPunct="0">
+              <a:lnSpc>
+                <a:spcPct val="100000"/>
+              </a:lnSpc>
+              <a:spcBef>
+                <a:spcPct val="0"/>
+              </a:spcBef>
+              <a:spcAft>
+                <a:spcPct val="0"/>
+              </a:spcAft>
+              <a:buNone/>
+            </a:pPr>
+            <a:r>
+              <a:rPr kumimoji="0" lang="en-US" altLang="en-US" sz="1800" b="0" i="0" u="none" strike="noStrike" cap="none" normalizeH="0" baseline="0" dirty="0">
+                <a:ln>
+                  <a:noFill/>
+                </a:ln>
+                <a:solidFill>
+                  <a:schemeClr val="tx1"/>
+                </a:solidFill>
+                <a:effectLst/>
+                <a:latin typeface="Arial" panose="020B0604020202020204" pitchFamily="34" charset="0"/>
+              </a:rPr>
+              <a:t>	transcribe the audio file to text</a:t>
+            </a:r>
+          </a:p>
+          <a:p>
+            <a:pPr marL="0" indent="0" eaLnBrk="0" fontAlgn="base" hangingPunct="0">
+              <a:lnSpc>
+                <a:spcPct val="100000"/>
+              </a:lnSpc>
+              <a:spcBef>
+                <a:spcPct val="0"/>
+              </a:spcBef>
+              <a:spcAft>
+                <a:spcPct val="0"/>
+              </a:spcAft>
+              <a:buNone/>
+            </a:pPr>
+            <a:r>
+              <a:rPr lang="en-US" altLang="en-US" sz="1800" dirty="0">
+                <a:latin typeface="Arial" panose="020B0604020202020204" pitchFamily="34" charset="0"/>
+              </a:rPr>
+              <a:t>	to summarize the text</a:t>
+            </a:r>
+          </a:p>
+          <a:p>
+            <a:pPr marL="0" indent="0" eaLnBrk="0" fontAlgn="base" hangingPunct="0">
+              <a:lnSpc>
+                <a:spcPct val="100000"/>
+              </a:lnSpc>
+              <a:spcBef>
+                <a:spcPct val="0"/>
+              </a:spcBef>
+              <a:spcAft>
+                <a:spcPct val="0"/>
+              </a:spcAft>
+              <a:buNone/>
+            </a:pPr>
+            <a:endParaRPr lang="en-US" altLang="en-US" sz="1800" dirty="0">
+              <a:latin typeface="Arial" panose="020B0604020202020204" pitchFamily="34" charset="0"/>
+            </a:endParaRPr>
+          </a:p>
+          <a:p>
+            <a:pPr marL="0" indent="0" eaLnBrk="0" fontAlgn="base" hangingPunct="0">
+              <a:lnSpc>
+                <a:spcPct val="100000"/>
+              </a:lnSpc>
+              <a:spcBef>
+                <a:spcPct val="0"/>
+              </a:spcBef>
+              <a:spcAft>
+                <a:spcPct val="0"/>
+              </a:spcAft>
+              <a:buNone/>
+            </a:pPr>
+            <a:r>
+              <a:rPr lang="en-US" altLang="en-US" sz="1800" dirty="0">
+                <a:latin typeface="Arial" panose="020B0604020202020204" pitchFamily="34" charset="0"/>
+              </a:rPr>
+              <a:t>To write a documentation for students in the future about LLMs, something like </a:t>
+            </a:r>
+            <a:r>
+              <a:rPr lang="en-US" altLang="en-US" sz="1800" dirty="0">
+                <a:latin typeface="Arial" panose="020B0604020202020204" pitchFamily="34" charset="0"/>
+                <a:hlinkClick r:id="rId3"/>
+              </a:rPr>
+              <a:t>https://www.uni-mannheim.de/media/Einrichtungen/Koordinationsstelle_Studieninformationen/Dokumente/Erstsemester/ChatGPT_Handreichung_Studierende_UMA_Stand_Mai_2023.pdf</a:t>
+            </a:r>
+            <a:endParaRPr lang="en-US" altLang="en-US" sz="1800" dirty="0">
+              <a:latin typeface="Arial" panose="020B0604020202020204" pitchFamily="34" charset="0"/>
+            </a:endParaRPr>
+          </a:p>
+          <a:p>
+            <a:pPr marL="0" indent="0" eaLnBrk="0" fontAlgn="base" hangingPunct="0">
+              <a:lnSpc>
+                <a:spcPct val="100000"/>
+              </a:lnSpc>
+              <a:spcBef>
+                <a:spcPct val="0"/>
+              </a:spcBef>
+              <a:spcAft>
+                <a:spcPct val="0"/>
+              </a:spcAft>
+              <a:buNone/>
+            </a:pPr>
+            <a:endParaRPr kumimoji="0" lang="en-US" altLang="en-US" sz="1800" b="0" i="0" u="none" strike="noStrike" cap="none" normalizeH="0" baseline="0" dirty="0">
+              <a:ln>
+                <a:noFill/>
+              </a:ln>
+              <a:solidFill>
+                <a:schemeClr val="tx1"/>
+              </a:solidFill>
+              <a:effectLst/>
+              <a:latin typeface="Arial" panose="020B0604020202020204" pitchFamily="34" charset="0"/>
+            </a:endParaRPr>
+          </a:p>
+        </p:txBody>
+      </p:sp>
+      <p:sp>
+        <p:nvSpPr>
+          <p:cNvPr id="11" name="Textfeld 10">
+            <a:extLst>
+              <a:ext uri="{FF2B5EF4-FFF2-40B4-BE49-F238E27FC236}">
+                <a16:creationId xmlns:a16="http://schemas.microsoft.com/office/drawing/2014/main" id="{D02EE37E-1DF2-47D0-B4D2-FA683E2B1427}"/>
+              </a:ext>
+            </a:extLst>
+          </p:cNvPr>
+          <p:cNvSpPr txBox="1"/>
+          <p:nvPr/>
+        </p:nvSpPr>
+        <p:spPr>
+          <a:xfrm>
+            <a:off x="2190750" y="5857875"/>
+            <a:ext cx="8427372" cy="523220"/>
+          </a:xfrm>
+          <a:prstGeom prst="rect">
+            <a:avLst/>
+          </a:prstGeom>
+          <a:noFill/>
+        </p:spPr>
+        <p:txBody>
+          <a:bodyPr wrap="none" rtlCol="0">
+            <a:spAutoFit/>
+          </a:bodyPr>
+          <a:lstStyle/>
+          <a:p>
+            <a:r>
+              <a:rPr lang="en-US" sz="2800" dirty="0">
+                <a:solidFill>
+                  <a:srgbClr val="FF0000"/>
+                </a:solidFill>
+              </a:rPr>
+              <a:t>Does anybody NOT want my split screen to be recorded?</a:t>
+            </a:r>
+          </a:p>
+        </p:txBody>
+      </p:sp>
+    </p:spTree>
+    <p:extLst>
+      <p:ext uri="{BB962C8B-B14F-4D97-AF65-F5344CB8AC3E}">
+        <p14:creationId xmlns:p14="http://schemas.microsoft.com/office/powerpoint/2010/main" val="1347461952"/>
+      </p:ext>
+    </p:extLst>
+  </p:cSld>
+  <p:clrMapOvr>
+    <a:masterClrMapping/>
+  </p:clrMapOvr>
+</p:sld>
+</file>
+
+<file path=ppt/slides/slide5.xml><?xml version="1.0" encoding="utf-8"?>
+<p:sld xmlns:a="http://schemas.openxmlformats.org/drawingml/2006/main" xmlns:r="http://schemas.openxmlformats.org/officeDocument/2006/relationships" xmlns:p="http://schemas.openxmlformats.org/presentationml/2006/main">
+  <p:cSld>
+    <p:spTree>
+      <p:nvGrpSpPr>
+        <p:cNvPr id="1" name=""/>
+        <p:cNvGrpSpPr/>
+        <p:nvPr/>
+      </p:nvGrpSpPr>
+      <p:grpSpPr>
+        <a:xfrm>
+          <a:off x="0" y="0"/>
+          <a:ext cx="0" cy="0"/>
+          <a:chOff x="0" y="0"/>
+          <a:chExt cx="0" cy="0"/>
+        </a:xfrm>
+      </p:grpSpPr>
+      <p:sp>
+        <p:nvSpPr>
+          <p:cNvPr id="2" name="Titel 1">
+            <a:extLst>
+              <a:ext uri="{FF2B5EF4-FFF2-40B4-BE49-F238E27FC236}">
                 <a16:creationId xmlns:a16="http://schemas.microsoft.com/office/drawing/2014/main" id="{92295ABF-71B8-4F4F-B599-4104C0FDFDD0}"/>
               </a:ext>
             </a:extLst>
@@ -3886,7 +4804,7 @@
 </p:sld>
 </file>
 
-<file path=ppt/slides/slide4.xml><?xml version="1.0" encoding="utf-8"?>
+<file path=ppt/slides/slide6.xml><?xml version="1.0" encoding="utf-8"?>
 <p:sld xmlns:a="http://schemas.openxmlformats.org/drawingml/2006/main" xmlns:r="http://schemas.openxmlformats.org/officeDocument/2006/relationships" xmlns:p="http://schemas.openxmlformats.org/presentationml/2006/main">
   <p:cSld>
     <p:spTree>
@@ -4419,7 +5337,348 @@
 </p:sld>
 </file>
 
-<file path=ppt/slides/slide5.xml><?xml version="1.0" encoding="utf-8"?>
+<file path=ppt/slides/slide7.xml><?xml version="1.0" encoding="utf-8"?>
+<p:sld xmlns:a="http://schemas.openxmlformats.org/drawingml/2006/main" xmlns:r="http://schemas.openxmlformats.org/officeDocument/2006/relationships" xmlns:p="http://schemas.openxmlformats.org/presentationml/2006/main">
+  <p:cSld>
+    <p:spTree>
+      <p:nvGrpSpPr>
+        <p:cNvPr id="1" name=""/>
+        <p:cNvGrpSpPr/>
+        <p:nvPr/>
+      </p:nvGrpSpPr>
+      <p:grpSpPr>
+        <a:xfrm>
+          <a:off x="0" y="0"/>
+          <a:ext cx="0" cy="0"/>
+          <a:chOff x="0" y="0"/>
+          <a:chExt cx="0" cy="0"/>
+        </a:xfrm>
+      </p:grpSpPr>
+      <p:sp>
+        <p:nvSpPr>
+          <p:cNvPr id="2" name="Titel 1">
+            <a:extLst>
+              <a:ext uri="{FF2B5EF4-FFF2-40B4-BE49-F238E27FC236}">
+                <a16:creationId xmlns:a16="http://schemas.microsoft.com/office/drawing/2014/main" id="{92295ABF-71B8-4F4F-B599-4104C0FDFDD0}"/>
+              </a:ext>
+            </a:extLst>
+          </p:cNvPr>
+          <p:cNvSpPr>
+            <a:spLocks noGrp="1"/>
+          </p:cNvSpPr>
+          <p:nvPr>
+            <p:ph type="title"/>
+          </p:nvPr>
+        </p:nvSpPr>
+        <p:spPr/>
+        <p:txBody>
+          <a:bodyPr/>
+          <a:lstStyle/>
+          <a:p>
+            <a:r>
+              <a:rPr lang="en-US" dirty="0"/>
+              <a:t>Current project &lt;-&gt; LLMs</a:t>
+            </a:r>
+          </a:p>
+        </p:txBody>
+      </p:sp>
+      <p:sp>
+        <p:nvSpPr>
+          <p:cNvPr id="14" name="Inhaltsplatzhalter 4">
+            <a:extLst>
+              <a:ext uri="{FF2B5EF4-FFF2-40B4-BE49-F238E27FC236}">
+                <a16:creationId xmlns:a16="http://schemas.microsoft.com/office/drawing/2014/main" id="{2EBFEEE7-F3FA-47AA-8CFC-4C48A2FD8EEA}"/>
+              </a:ext>
+            </a:extLst>
+          </p:cNvPr>
+          <p:cNvSpPr txBox="1">
+            <a:spLocks/>
+          </p:cNvSpPr>
+          <p:nvPr/>
+        </p:nvSpPr>
+        <p:spPr>
+          <a:xfrm>
+            <a:off x="690935" y="1452622"/>
+            <a:ext cx="10662865" cy="4820161"/>
+          </a:xfrm>
+          <a:prstGeom prst="rect">
+            <a:avLst/>
+          </a:prstGeom>
+        </p:spPr>
+        <p:txBody>
+          <a:bodyPr vert="horz" lIns="91440" tIns="45720" rIns="91440" bIns="45720" rtlCol="0">
+            <a:normAutofit/>
+          </a:bodyPr>
+          <a:lstStyle>
+            <a:lvl1pPr marL="228600" indent="-228600" algn="l" defTabSz="914400" rtl="0" eaLnBrk="1" latinLnBrk="0" hangingPunct="1">
+              <a:lnSpc>
+                <a:spcPct val="90000"/>
+              </a:lnSpc>
+              <a:spcBef>
+                <a:spcPts val="1000"/>
+              </a:spcBef>
+              <a:buFont typeface="Arial" panose="020B0604020202020204" pitchFamily="34" charset="0"/>
+              <a:buChar char="•"/>
+              <a:defRPr sz="2800" kern="1200">
+                <a:solidFill>
+                  <a:schemeClr val="tx1"/>
+                </a:solidFill>
+                <a:latin typeface="+mn-lt"/>
+                <a:ea typeface="+mn-ea"/>
+                <a:cs typeface="+mn-cs"/>
+              </a:defRPr>
+            </a:lvl1pPr>
+            <a:lvl2pPr marL="685800" indent="-228600" algn="l" defTabSz="914400" rtl="0" eaLnBrk="1" latinLnBrk="0" hangingPunct="1">
+              <a:lnSpc>
+                <a:spcPct val="90000"/>
+              </a:lnSpc>
+              <a:spcBef>
+                <a:spcPts val="500"/>
+              </a:spcBef>
+              <a:buFont typeface="Arial" panose="020B0604020202020204" pitchFamily="34" charset="0"/>
+              <a:buChar char="•"/>
+              <a:defRPr sz="2400" kern="1200">
+                <a:solidFill>
+                  <a:schemeClr val="tx1"/>
+                </a:solidFill>
+                <a:latin typeface="+mn-lt"/>
+                <a:ea typeface="+mn-ea"/>
+                <a:cs typeface="+mn-cs"/>
+              </a:defRPr>
+            </a:lvl2pPr>
+            <a:lvl3pPr marL="1143000" indent="-228600" algn="l" defTabSz="914400" rtl="0" eaLnBrk="1" latinLnBrk="0" hangingPunct="1">
+              <a:lnSpc>
+                <a:spcPct val="90000"/>
+              </a:lnSpc>
+              <a:spcBef>
+                <a:spcPts val="500"/>
+              </a:spcBef>
+              <a:buFont typeface="Arial" panose="020B0604020202020204" pitchFamily="34" charset="0"/>
+              <a:buChar char="•"/>
+              <a:defRPr sz="2000" kern="1200">
+                <a:solidFill>
+                  <a:schemeClr val="tx1"/>
+                </a:solidFill>
+                <a:latin typeface="+mn-lt"/>
+                <a:ea typeface="+mn-ea"/>
+                <a:cs typeface="+mn-cs"/>
+              </a:defRPr>
+            </a:lvl3pPr>
+            <a:lvl4pPr marL="1600200" indent="-228600" algn="l" defTabSz="914400" rtl="0" eaLnBrk="1" latinLnBrk="0" hangingPunct="1">
+              <a:lnSpc>
+                <a:spcPct val="90000"/>
+              </a:lnSpc>
+              <a:spcBef>
+                <a:spcPts val="500"/>
+              </a:spcBef>
+              <a:buFont typeface="Arial" panose="020B0604020202020204" pitchFamily="34" charset="0"/>
+              <a:buChar char="•"/>
+              <a:defRPr sz="1800" kern="1200">
+                <a:solidFill>
+                  <a:schemeClr val="tx1"/>
+                </a:solidFill>
+                <a:latin typeface="+mn-lt"/>
+                <a:ea typeface="+mn-ea"/>
+                <a:cs typeface="+mn-cs"/>
+              </a:defRPr>
+            </a:lvl4pPr>
+            <a:lvl5pPr marL="2057400" indent="-228600" algn="l" defTabSz="914400" rtl="0" eaLnBrk="1" latinLnBrk="0" hangingPunct="1">
+              <a:lnSpc>
+                <a:spcPct val="90000"/>
+              </a:lnSpc>
+              <a:spcBef>
+                <a:spcPts val="500"/>
+              </a:spcBef>
+              <a:buFont typeface="Arial" panose="020B0604020202020204" pitchFamily="34" charset="0"/>
+              <a:buChar char="•"/>
+              <a:defRPr sz="1800" kern="1200">
+                <a:solidFill>
+                  <a:schemeClr val="tx1"/>
+                </a:solidFill>
+                <a:latin typeface="+mn-lt"/>
+                <a:ea typeface="+mn-ea"/>
+                <a:cs typeface="+mn-cs"/>
+              </a:defRPr>
+            </a:lvl5pPr>
+            <a:lvl6pPr marL="2514600" indent="-228600" algn="l" defTabSz="914400" rtl="0" eaLnBrk="1" latinLnBrk="0" hangingPunct="1">
+              <a:lnSpc>
+                <a:spcPct val="90000"/>
+              </a:lnSpc>
+              <a:spcBef>
+                <a:spcPts val="500"/>
+              </a:spcBef>
+              <a:buFont typeface="Arial" panose="020B0604020202020204" pitchFamily="34" charset="0"/>
+              <a:buChar char="•"/>
+              <a:defRPr sz="1800" kern="1200">
+                <a:solidFill>
+                  <a:schemeClr val="tx1"/>
+                </a:solidFill>
+                <a:latin typeface="+mn-lt"/>
+                <a:ea typeface="+mn-ea"/>
+                <a:cs typeface="+mn-cs"/>
+              </a:defRPr>
+            </a:lvl6pPr>
+            <a:lvl7pPr marL="2971800" indent="-228600" algn="l" defTabSz="914400" rtl="0" eaLnBrk="1" latinLnBrk="0" hangingPunct="1">
+              <a:lnSpc>
+                <a:spcPct val="90000"/>
+              </a:lnSpc>
+              <a:spcBef>
+                <a:spcPts val="500"/>
+              </a:spcBef>
+              <a:buFont typeface="Arial" panose="020B0604020202020204" pitchFamily="34" charset="0"/>
+              <a:buChar char="•"/>
+              <a:defRPr sz="1800" kern="1200">
+                <a:solidFill>
+                  <a:schemeClr val="tx1"/>
+                </a:solidFill>
+                <a:latin typeface="+mn-lt"/>
+                <a:ea typeface="+mn-ea"/>
+                <a:cs typeface="+mn-cs"/>
+              </a:defRPr>
+            </a:lvl7pPr>
+            <a:lvl8pPr marL="3429000" indent="-228600" algn="l" defTabSz="914400" rtl="0" eaLnBrk="1" latinLnBrk="0" hangingPunct="1">
+              <a:lnSpc>
+                <a:spcPct val="90000"/>
+              </a:lnSpc>
+              <a:spcBef>
+                <a:spcPts val="500"/>
+              </a:spcBef>
+              <a:buFont typeface="Arial" panose="020B0604020202020204" pitchFamily="34" charset="0"/>
+              <a:buChar char="•"/>
+              <a:defRPr sz="1800" kern="1200">
+                <a:solidFill>
+                  <a:schemeClr val="tx1"/>
+                </a:solidFill>
+                <a:latin typeface="+mn-lt"/>
+                <a:ea typeface="+mn-ea"/>
+                <a:cs typeface="+mn-cs"/>
+              </a:defRPr>
+            </a:lvl8pPr>
+            <a:lvl9pPr marL="3886200" indent="-228600" algn="l" defTabSz="914400" rtl="0" eaLnBrk="1" latinLnBrk="0" hangingPunct="1">
+              <a:lnSpc>
+                <a:spcPct val="90000"/>
+              </a:lnSpc>
+              <a:spcBef>
+                <a:spcPts val="500"/>
+              </a:spcBef>
+              <a:buFont typeface="Arial" panose="020B0604020202020204" pitchFamily="34" charset="0"/>
+              <a:buChar char="•"/>
+              <a:defRPr sz="1800" kern="1200">
+                <a:solidFill>
+                  <a:schemeClr val="tx1"/>
+                </a:solidFill>
+                <a:latin typeface="+mn-lt"/>
+                <a:ea typeface="+mn-ea"/>
+                <a:cs typeface="+mn-cs"/>
+              </a:defRPr>
+            </a:lvl9pPr>
+          </a:lstStyle>
+          <a:p>
+            <a:pPr marL="0" indent="0">
+              <a:buNone/>
+            </a:pPr>
+            <a:r>
+              <a:rPr lang="en-US" dirty="0"/>
+              <a:t>Evaluate the psychometric properties of the benchmark</a:t>
+            </a:r>
+          </a:p>
+          <a:p>
+            <a:pPr marL="0" indent="0">
+              <a:buNone/>
+            </a:pPr>
+            <a:r>
+              <a:rPr lang="en-US" b="1" dirty="0"/>
+              <a:t>	MMLU (Massive Multitask Language Understanding</a:t>
+            </a:r>
+          </a:p>
+          <a:p>
+            <a:pPr marL="0" indent="0">
+              <a:buNone/>
+            </a:pPr>
+            <a:endParaRPr lang="en-US" b="1" dirty="0"/>
+          </a:p>
+          <a:p>
+            <a:pPr>
+              <a:buFont typeface="Wingdings" panose="05000000000000000000" pitchFamily="2" charset="2"/>
+              <a:buChar char="Ø"/>
+            </a:pPr>
+            <a:r>
+              <a:rPr lang="en-US" dirty="0"/>
+              <a:t>Analyze over 12.000 items by Latent Variable Models (IRT)</a:t>
+            </a:r>
+          </a:p>
+          <a:p>
+            <a:pPr>
+              <a:buFont typeface="Wingdings" panose="05000000000000000000" pitchFamily="2" charset="2"/>
+              <a:buChar char="Ø"/>
+            </a:pPr>
+            <a:endParaRPr lang="en-US" dirty="0"/>
+          </a:p>
+          <a:p>
+            <a:pPr marL="0" indent="0">
+              <a:buNone/>
+            </a:pPr>
+            <a:r>
+              <a:rPr lang="en-US" dirty="0"/>
+              <a:t>Together with:</a:t>
+            </a:r>
+          </a:p>
+          <a:p>
+            <a:r>
+              <a:rPr lang="en-US" dirty="0"/>
+              <a:t>Dr. Aron Fink (</a:t>
+            </a:r>
+            <a:r>
+              <a:rPr lang="en-US" dirty="0">
+                <a:hlinkClick r:id="rId2"/>
+              </a:rPr>
+              <a:t>https://www.psychologie.uni-frankfurt.de/73548927/Dr__Aron_Fink</a:t>
+            </a:r>
+            <a:r>
+              <a:rPr lang="en-US" dirty="0"/>
+              <a:t>)</a:t>
+            </a:r>
+          </a:p>
+          <a:p>
+            <a:r>
+              <a:rPr lang="en-US" dirty="0"/>
+              <a:t>Tom </a:t>
+            </a:r>
+            <a:r>
+              <a:rPr lang="en-US" dirty="0" err="1"/>
+              <a:t>Sühr</a:t>
+            </a:r>
+            <a:r>
+              <a:rPr lang="en-US" dirty="0"/>
+              <a:t> (</a:t>
+            </a:r>
+            <a:r>
+              <a:rPr lang="en-US" dirty="0">
+                <a:hlinkClick r:id="rId3"/>
+              </a:rPr>
+              <a:t>https://tomsuehr.com/</a:t>
+            </a:r>
+            <a:r>
+              <a:rPr lang="en-US" dirty="0"/>
+              <a:t>)</a:t>
+            </a:r>
+          </a:p>
+        </p:txBody>
+      </p:sp>
+    </p:spTree>
+    <p:extLst>
+      <p:ext uri="{BB962C8B-B14F-4D97-AF65-F5344CB8AC3E}">
+        <p14:creationId xmlns:p14="http://schemas.microsoft.com/office/powerpoint/2010/main" val="3533149067"/>
+      </p:ext>
+    </p:extLst>
+  </p:cSld>
+  <p:clrMapOvr>
+    <a:masterClrMapping/>
+  </p:clrMapOvr>
+</p:sld>
+</file>
+
+<file path=ppt/slides/slide8.xml><?xml version="1.0" encoding="utf-8"?>
 <p:sld xmlns:a="http://schemas.openxmlformats.org/drawingml/2006/main" xmlns:r="http://schemas.openxmlformats.org/officeDocument/2006/relationships" xmlns:p="http://schemas.openxmlformats.org/presentationml/2006/main">
   <p:cSld>
     <p:spTree>
